--- a/LectureSlides/0607ASTPEG.pptx
+++ b/LectureSlides/0607ASTPEG.pptx
@@ -257,7 +257,7 @@
           <a:p>
             <a:fld id="{4C79FF2F-31B5-40D8-8E7E-1DC6AD544ACD}" type="datetimeFigureOut">
               <a:rPr lang="en-US" smtClean="0"/>
-              <a:t>11/5/2024</a:t>
+              <a:t>12/20/2024</a:t>
             </a:fld>
             <a:endParaRPr lang="en-US"/>
           </a:p>
@@ -748,7 +748,7 @@
           <a:p>
             <a:fld id="{29B3267D-1BB5-4D01-9559-97DC75604AB8}" type="datetime1">
               <a:rPr lang="en-US" smtClean="0"/>
-              <a:t>11/5/2024</a:t>
+              <a:t>12/20/2024</a:t>
             </a:fld>
             <a:endParaRPr lang="en-US"/>
           </a:p>
@@ -956,7 +956,7 @@
           <a:p>
             <a:fld id="{111EF2C9-AA2E-4E6E-80F0-8E0C93AA9CB7}" type="datetime1">
               <a:rPr lang="en-US" smtClean="0"/>
-              <a:t>11/5/2024</a:t>
+              <a:t>12/20/2024</a:t>
             </a:fld>
             <a:endParaRPr lang="en-US"/>
           </a:p>
@@ -1212,7 +1212,7 @@
           <a:p>
             <a:fld id="{BC3F6C6A-1020-4717-A8FE-2EA545EDE484}" type="datetime1">
               <a:rPr lang="en-US" smtClean="0"/>
-              <a:t>11/5/2024</a:t>
+              <a:t>12/20/2024</a:t>
             </a:fld>
             <a:endParaRPr lang="en-US"/>
           </a:p>
@@ -1397,7 +1397,7 @@
           <a:p>
             <a:fld id="{09444A3A-E32D-41D4-B137-4E0BB1BFD74B}" type="datetime1">
               <a:rPr lang="en-US" smtClean="0"/>
-              <a:t>11/5/2024</a:t>
+              <a:t>12/20/2024</a:t>
             </a:fld>
             <a:endParaRPr lang="en-US"/>
           </a:p>
@@ -1740,7 +1740,7 @@
           <a:p>
             <a:fld id="{81E52A49-1161-4A95-8B99-6E3A59578156}" type="datetime1">
               <a:rPr lang="en-US" smtClean="0"/>
-              <a:t>11/5/2024</a:t>
+              <a:t>12/20/2024</a:t>
             </a:fld>
             <a:endParaRPr lang="en-US"/>
           </a:p>
@@ -2045,7 +2045,7 @@
           <a:p>
             <a:fld id="{0413B36B-263E-4474-97D9-2264120BBC20}" type="datetime1">
               <a:rPr lang="en-US" smtClean="0"/>
-              <a:t>11/5/2024</a:t>
+              <a:t>12/20/2024</a:t>
             </a:fld>
             <a:endParaRPr lang="en-US"/>
           </a:p>
@@ -2454,7 +2454,7 @@
           <a:p>
             <a:fld id="{5840FB65-4435-4414-98DD-DDBF790CE377}" type="datetime1">
               <a:rPr lang="en-US" smtClean="0"/>
-              <a:t>11/5/2024</a:t>
+              <a:t>12/20/2024</a:t>
             </a:fld>
             <a:endParaRPr lang="en-US"/>
           </a:p>
@@ -2572,7 +2572,7 @@
           <a:p>
             <a:fld id="{2F8E88E6-B7E4-4328-B5EE-C0C15A420308}" type="datetime1">
               <a:rPr lang="en-US" smtClean="0"/>
-              <a:t>11/5/2024</a:t>
+              <a:t>12/20/2024</a:t>
             </a:fld>
             <a:endParaRPr lang="en-US"/>
           </a:p>
@@ -2743,7 +2743,7 @@
           <a:p>
             <a:fld id="{EFDBE410-DF7A-427F-910A-A52B5F4B5B84}" type="datetime1">
               <a:rPr lang="en-US" smtClean="0"/>
-              <a:t>11/5/2024</a:t>
+              <a:t>12/20/2024</a:t>
             </a:fld>
             <a:endParaRPr lang="en-US"/>
           </a:p>
@@ -3112,7 +3112,7 @@
           <a:p>
             <a:fld id="{89C35C15-028A-4037-A786-BC8FFE1C39C6}" type="datetime1">
               <a:rPr lang="en-US" smtClean="0"/>
-              <a:t>11/5/2024</a:t>
+              <a:t>12/20/2024</a:t>
             </a:fld>
             <a:endParaRPr lang="en-US"/>
           </a:p>
@@ -3489,7 +3489,7 @@
           <a:p>
             <a:fld id="{81E1FE27-27ED-4F1F-BED2-F621E95FB6CF}" type="datetime1">
               <a:rPr lang="en-US" smtClean="0"/>
-              <a:t>11/5/2024</a:t>
+              <a:t>12/20/2024</a:t>
             </a:fld>
             <a:endParaRPr lang="en-US"/>
           </a:p>
@@ -3776,7 +3776,7 @@
           <a:p>
             <a:fld id="{4F110F97-AB37-4144-B712-487FE114CEAE}" type="datetime1">
               <a:rPr lang="en-US" smtClean="0"/>
-              <a:t>11/5/2024</a:t>
+              <a:t>12/20/2024</a:t>
             </a:fld>
             <a:endParaRPr lang="en-US"/>
           </a:p>
@@ -4326,7 +4326,7 @@
           <a:p>
             <a:r>
               <a:rPr lang="en-US" sz="6600" dirty="0"/>
-              <a:t>04 – Parsing Expression Grammars + Abstract Syntax Trees</a:t>
+              <a:t>06,07 – Parsing Expression Grammars + Abstract Syntax Trees</a:t>
             </a:r>
           </a:p>
         </p:txBody>

--- a/LectureSlides/0607ASTPEG.pptx
+++ b/LectureSlides/0607ASTPEG.pptx
@@ -257,7 +257,7 @@
           <a:p>
             <a:fld id="{4C79FF2F-31B5-40D8-8E7E-1DC6AD544ACD}" type="datetimeFigureOut">
               <a:rPr lang="en-US" smtClean="0"/>
-              <a:t>12/20/2024</a:t>
+              <a:t>2/4/2025</a:t>
             </a:fld>
             <a:endParaRPr lang="en-US"/>
           </a:p>
@@ -748,7 +748,7 @@
           <a:p>
             <a:fld id="{29B3267D-1BB5-4D01-9559-97DC75604AB8}" type="datetime1">
               <a:rPr lang="en-US" smtClean="0"/>
-              <a:t>12/20/2024</a:t>
+              <a:t>2/4/2025</a:t>
             </a:fld>
             <a:endParaRPr lang="en-US"/>
           </a:p>
@@ -956,7 +956,7 @@
           <a:p>
             <a:fld id="{111EF2C9-AA2E-4E6E-80F0-8E0C93AA9CB7}" type="datetime1">
               <a:rPr lang="en-US" smtClean="0"/>
-              <a:t>12/20/2024</a:t>
+              <a:t>2/4/2025</a:t>
             </a:fld>
             <a:endParaRPr lang="en-US"/>
           </a:p>
@@ -1212,7 +1212,7 @@
           <a:p>
             <a:fld id="{BC3F6C6A-1020-4717-A8FE-2EA545EDE484}" type="datetime1">
               <a:rPr lang="en-US" smtClean="0"/>
-              <a:t>12/20/2024</a:t>
+              <a:t>2/4/2025</a:t>
             </a:fld>
             <a:endParaRPr lang="en-US"/>
           </a:p>
@@ -1397,7 +1397,7 @@
           <a:p>
             <a:fld id="{09444A3A-E32D-41D4-B137-4E0BB1BFD74B}" type="datetime1">
               <a:rPr lang="en-US" smtClean="0"/>
-              <a:t>12/20/2024</a:t>
+              <a:t>2/4/2025</a:t>
             </a:fld>
             <a:endParaRPr lang="en-US"/>
           </a:p>
@@ -1740,7 +1740,7 @@
           <a:p>
             <a:fld id="{81E52A49-1161-4A95-8B99-6E3A59578156}" type="datetime1">
               <a:rPr lang="en-US" smtClean="0"/>
-              <a:t>12/20/2024</a:t>
+              <a:t>2/4/2025</a:t>
             </a:fld>
             <a:endParaRPr lang="en-US"/>
           </a:p>
@@ -2045,7 +2045,7 @@
           <a:p>
             <a:fld id="{0413B36B-263E-4474-97D9-2264120BBC20}" type="datetime1">
               <a:rPr lang="en-US" smtClean="0"/>
-              <a:t>12/20/2024</a:t>
+              <a:t>2/4/2025</a:t>
             </a:fld>
             <a:endParaRPr lang="en-US"/>
           </a:p>
@@ -2454,7 +2454,7 @@
           <a:p>
             <a:fld id="{5840FB65-4435-4414-98DD-DDBF790CE377}" type="datetime1">
               <a:rPr lang="en-US" smtClean="0"/>
-              <a:t>12/20/2024</a:t>
+              <a:t>2/4/2025</a:t>
             </a:fld>
             <a:endParaRPr lang="en-US"/>
           </a:p>
@@ -2572,7 +2572,7 @@
           <a:p>
             <a:fld id="{2F8E88E6-B7E4-4328-B5EE-C0C15A420308}" type="datetime1">
               <a:rPr lang="en-US" smtClean="0"/>
-              <a:t>12/20/2024</a:t>
+              <a:t>2/4/2025</a:t>
             </a:fld>
             <a:endParaRPr lang="en-US"/>
           </a:p>
@@ -2743,7 +2743,7 @@
           <a:p>
             <a:fld id="{EFDBE410-DF7A-427F-910A-A52B5F4B5B84}" type="datetime1">
               <a:rPr lang="en-US" smtClean="0"/>
-              <a:t>12/20/2024</a:t>
+              <a:t>2/4/2025</a:t>
             </a:fld>
             <a:endParaRPr lang="en-US"/>
           </a:p>
@@ -3112,7 +3112,7 @@
           <a:p>
             <a:fld id="{89C35C15-028A-4037-A786-BC8FFE1C39C6}" type="datetime1">
               <a:rPr lang="en-US" smtClean="0"/>
-              <a:t>12/20/2024</a:t>
+              <a:t>2/4/2025</a:t>
             </a:fld>
             <a:endParaRPr lang="en-US"/>
           </a:p>
@@ -3489,7 +3489,7 @@
           <a:p>
             <a:fld id="{81E1FE27-27ED-4F1F-BED2-F621E95FB6CF}" type="datetime1">
               <a:rPr lang="en-US" smtClean="0"/>
-              <a:t>12/20/2024</a:t>
+              <a:t>2/4/2025</a:t>
             </a:fld>
             <a:endParaRPr lang="en-US"/>
           </a:p>
@@ -3776,7 +3776,7 @@
           <a:p>
             <a:fld id="{4F110F97-AB37-4144-B712-487FE114CEAE}" type="datetime1">
               <a:rPr lang="en-US" smtClean="0"/>
-              <a:t>12/20/2024</a:t>
+              <a:t>2/4/2025</a:t>
             </a:fld>
             <a:endParaRPr lang="en-US"/>
           </a:p>
@@ -6512,7 +6512,12 @@
             <p:ph idx="1"/>
           </p:nvPr>
         </p:nvSpPr>
-        <p:spPr/>
+        <p:spPr>
+          <a:xfrm>
+            <a:off x="1097280" y="1845734"/>
+            <a:ext cx="4809250" cy="4023360"/>
+          </a:xfrm>
+        </p:spPr>
         <p:txBody>
           <a:bodyPr/>
           <a:lstStyle/>
@@ -6587,10 +6592,10 @@
       </p:sp>
       <p:pic>
         <p:nvPicPr>
-          <p:cNvPr id="5" name="Content Placeholder 7" descr="Analogy of precedence-climbing algorithm for parsers as an escalator, where you can go up one floor at a time and come all the way back down with parentheses">
-            <a:extLst>
-              <a:ext uri="{FF2B5EF4-FFF2-40B4-BE49-F238E27FC236}">
-                <a16:creationId xmlns:a16="http://schemas.microsoft.com/office/drawing/2014/main" id="{624B088D-79D9-E9D2-A0C1-230DFC2D92B3}"/>
+          <p:cNvPr id="6" name="Content Placeholder 7">
+            <a:extLst>
+              <a:ext uri="{FF2B5EF4-FFF2-40B4-BE49-F238E27FC236}">
+                <a16:creationId xmlns:a16="http://schemas.microsoft.com/office/drawing/2014/main" id="{633CD5A2-93DD-405F-06F1-2B16D8E83BF5}"/>
               </a:ext>
             </a:extLst>
           </p:cNvPr>
@@ -6607,14 +6612,13 @@
               </a:ext>
             </a:extLst>
           </a:blip>
-          <a:stretch>
-            <a:fillRect/>
-          </a:stretch>
+          <a:srcRect/>
+          <a:stretch/>
         </p:blipFill>
         <p:spPr>
           <a:xfrm>
-            <a:off x="6126480" y="2623595"/>
-            <a:ext cx="5977262" cy="4153690"/>
+            <a:off x="5787126" y="1631092"/>
+            <a:ext cx="6262150" cy="4351664"/>
           </a:xfrm>
           <a:prstGeom prst="rect">
             <a:avLst/>
